--- a/CAPSTONE PYTHON  ORIGINAL.pptx
+++ b/CAPSTONE PYTHON  ORIGINAL.pptx
@@ -1710,7 +1710,7 @@
           <a:p>
             <a:fld id="{10265372-62CD-4962-B439-A3516173C966}" type="datetimeFigureOut">
               <a:rPr lang="en-GB" smtClean="0"/>
-              <a:t>25/02/2025</a:t>
+              <a:t>27/02/2025</a:t>
             </a:fld>
             <a:endParaRPr lang="en-GB"/>
           </a:p>
@@ -1910,7 +1910,7 @@
           <a:p>
             <a:fld id="{10265372-62CD-4962-B439-A3516173C966}" type="datetimeFigureOut">
               <a:rPr lang="en-GB" smtClean="0"/>
-              <a:t>25/02/2025</a:t>
+              <a:t>27/02/2025</a:t>
             </a:fld>
             <a:endParaRPr lang="en-GB"/>
           </a:p>
@@ -2120,7 +2120,7 @@
           <a:p>
             <a:fld id="{10265372-62CD-4962-B439-A3516173C966}" type="datetimeFigureOut">
               <a:rPr lang="en-GB" smtClean="0"/>
-              <a:t>25/02/2025</a:t>
+              <a:t>27/02/2025</a:t>
             </a:fld>
             <a:endParaRPr lang="en-GB"/>
           </a:p>
@@ -2320,7 +2320,7 @@
           <a:p>
             <a:fld id="{10265372-62CD-4962-B439-A3516173C966}" type="datetimeFigureOut">
               <a:rPr lang="en-GB" smtClean="0"/>
-              <a:t>25/02/2025</a:t>
+              <a:t>27/02/2025</a:t>
             </a:fld>
             <a:endParaRPr lang="en-GB"/>
           </a:p>
@@ -2596,7 +2596,7 @@
           <a:p>
             <a:fld id="{10265372-62CD-4962-B439-A3516173C966}" type="datetimeFigureOut">
               <a:rPr lang="en-GB" smtClean="0"/>
-              <a:t>25/02/2025</a:t>
+              <a:t>27/02/2025</a:t>
             </a:fld>
             <a:endParaRPr lang="en-GB"/>
           </a:p>
@@ -2864,7 +2864,7 @@
           <a:p>
             <a:fld id="{10265372-62CD-4962-B439-A3516173C966}" type="datetimeFigureOut">
               <a:rPr lang="en-GB" smtClean="0"/>
-              <a:t>25/02/2025</a:t>
+              <a:t>27/02/2025</a:t>
             </a:fld>
             <a:endParaRPr lang="en-GB"/>
           </a:p>
@@ -3279,7 +3279,7 @@
           <a:p>
             <a:fld id="{10265372-62CD-4962-B439-A3516173C966}" type="datetimeFigureOut">
               <a:rPr lang="en-GB" smtClean="0"/>
-              <a:t>25/02/2025</a:t>
+              <a:t>27/02/2025</a:t>
             </a:fld>
             <a:endParaRPr lang="en-GB"/>
           </a:p>
@@ -3421,7 +3421,7 @@
           <a:p>
             <a:fld id="{10265372-62CD-4962-B439-A3516173C966}" type="datetimeFigureOut">
               <a:rPr lang="en-GB" smtClean="0"/>
-              <a:t>25/02/2025</a:t>
+              <a:t>27/02/2025</a:t>
             </a:fld>
             <a:endParaRPr lang="en-GB"/>
           </a:p>
@@ -3534,7 +3534,7 @@
           <a:p>
             <a:fld id="{10265372-62CD-4962-B439-A3516173C966}" type="datetimeFigureOut">
               <a:rPr lang="en-GB" smtClean="0"/>
-              <a:t>25/02/2025</a:t>
+              <a:t>27/02/2025</a:t>
             </a:fld>
             <a:endParaRPr lang="en-GB"/>
           </a:p>
@@ -3847,7 +3847,7 @@
           <a:p>
             <a:fld id="{10265372-62CD-4962-B439-A3516173C966}" type="datetimeFigureOut">
               <a:rPr lang="en-GB" smtClean="0"/>
-              <a:t>25/02/2025</a:t>
+              <a:t>27/02/2025</a:t>
             </a:fld>
             <a:endParaRPr lang="en-GB"/>
           </a:p>
@@ -4136,7 +4136,7 @@
           <a:p>
             <a:fld id="{10265372-62CD-4962-B439-A3516173C966}" type="datetimeFigureOut">
               <a:rPr lang="en-GB" smtClean="0"/>
-              <a:t>25/02/2025</a:t>
+              <a:t>27/02/2025</a:t>
             </a:fld>
             <a:endParaRPr lang="en-GB"/>
           </a:p>
@@ -4379,7 +4379,7 @@
           <a:p>
             <a:fld id="{10265372-62CD-4962-B439-A3516173C966}" type="datetimeFigureOut">
               <a:rPr lang="en-GB" smtClean="0"/>
-              <a:t>25/02/2025</a:t>
+              <a:t>27/02/2025</a:t>
             </a:fld>
             <a:endParaRPr lang="en-GB"/>
           </a:p>
@@ -5693,7 +5693,7 @@
                 </a:solidFill>
                 <a:latin typeface="Söhne"/>
               </a:rPr>
-              <a:t>A bar chart was created to visualize the distribution of clock speeds in 5G smartphones.</a:t>
+              <a:t>A Histogram chart was created to visualize the distribution of clock speeds in 5G smartphones.</a:t>
             </a:r>
           </a:p>
         </p:txBody>
@@ -7105,10 +7105,10 @@
       </p:sp>
       <p:pic>
         <p:nvPicPr>
-          <p:cNvPr id="3" name="Picture 2">
-            <a:extLst>
-              <a:ext uri="{FF2B5EF4-FFF2-40B4-BE49-F238E27FC236}">
-                <a16:creationId xmlns:a16="http://schemas.microsoft.com/office/drawing/2014/main" id="{469AE35A-0195-4D45-AE8E-55832045F7E4}"/>
+          <p:cNvPr id="6" name="Picture 5">
+            <a:extLst>
+              <a:ext uri="{FF2B5EF4-FFF2-40B4-BE49-F238E27FC236}">
+                <a16:creationId xmlns:a16="http://schemas.microsoft.com/office/drawing/2014/main" id="{22BC5A09-2863-4036-848D-DA3843D7E695}"/>
               </a:ext>
             </a:extLst>
           </p:cNvPr>
@@ -7131,8 +7131,8 @@
         </p:blipFill>
         <p:spPr>
           <a:xfrm>
-            <a:off x="1063396" y="1748118"/>
-            <a:ext cx="9837685" cy="4670611"/>
+            <a:off x="0" y="1733007"/>
+            <a:ext cx="12192000" cy="4896393"/>
           </a:xfrm>
           <a:prstGeom prst="rect">
             <a:avLst/>
@@ -8030,8 +8030,8 @@
         </p:nvSpPr>
         <p:spPr>
           <a:xfrm>
-            <a:off x="1136131" y="0"/>
-            <a:ext cx="10132504" cy="7048083"/>
+            <a:off x="1136131" y="-17584"/>
+            <a:ext cx="10132504" cy="5155257"/>
           </a:xfrm>
           <a:prstGeom prst="rect">
             <a:avLst/>
@@ -8053,23 +8053,15 @@
                 <a:latin typeface="Times New Roman" panose="02020603050405020304" pitchFamily="18" charset="0"/>
                 <a:cs typeface="Times New Roman" panose="02020603050405020304" pitchFamily="18" charset="0"/>
               </a:rPr>
-              <a:t>Detecting outliers that may need correction, removal or further investigation before analysis.(Apple and Samsung often have high premium pricing due to their brand known innovation , quality and </a:t>
-            </a:r>
-            <a:r>
-              <a:rPr lang="en-US" sz="1700" dirty="0" err="1">
-                <a:latin typeface="Times New Roman" panose="02020603050405020304" pitchFamily="18" charset="0"/>
-                <a:cs typeface="Times New Roman" panose="02020603050405020304" pitchFamily="18" charset="0"/>
-              </a:rPr>
-              <a:t>prestigue</a:t>
-            </a:r>
-            <a:r>
-              <a:rPr lang="en-US" sz="1700" dirty="0">
-                <a:latin typeface="Times New Roman" panose="02020603050405020304" pitchFamily="18" charset="0"/>
-                <a:cs typeface="Times New Roman" panose="02020603050405020304" pitchFamily="18" charset="0"/>
-              </a:rPr>
-              <a:t>. So I believe they are valid data point not statistical error.</a:t>
-            </a:r>
-            <a:endParaRPr lang="en-US" dirty="0">
+              <a:t>Detecting outliers that may need correction, removal or further investigation before analysis.</a:t>
+            </a:r>
+            <a:endParaRPr lang="en-US" sz="2400" dirty="0">
+              <a:latin typeface="Times New Roman" panose="02020603050405020304" pitchFamily="18" charset="0"/>
+              <a:cs typeface="Times New Roman" panose="02020603050405020304" pitchFamily="18" charset="0"/>
+            </a:endParaRPr>
+          </a:p>
+          <a:p>
+            <a:endParaRPr lang="en-US" sz="2400" dirty="0">
               <a:latin typeface="Times New Roman" panose="02020603050405020304" pitchFamily="18" charset="0"/>
               <a:cs typeface="Times New Roman" panose="02020603050405020304" pitchFamily="18" charset="0"/>
             </a:endParaRPr>
@@ -8105,12 +8097,6 @@
             </a:endParaRPr>
           </a:p>
           <a:p>
-            <a:endParaRPr lang="en-US" sz="2400" dirty="0">
-              <a:latin typeface="Times New Roman" panose="02020603050405020304" pitchFamily="18" charset="0"/>
-              <a:cs typeface="Times New Roman" panose="02020603050405020304" pitchFamily="18" charset="0"/>
-            </a:endParaRPr>
-          </a:p>
-          <a:p>
             <a:pPr marL="342900" indent="-342900">
               <a:buFont typeface="Arial" panose="020B0604020202020204" pitchFamily="34" charset="0"/>
               <a:buChar char="•"/>
@@ -8131,6 +8117,12 @@
             </a:endParaRPr>
           </a:p>
           <a:p>
+            <a:endParaRPr lang="en-US" sz="2400" dirty="0">
+              <a:latin typeface="Times New Roman" panose="02020603050405020304" pitchFamily="18" charset="0"/>
+              <a:cs typeface="Times New Roman" panose="02020603050405020304" pitchFamily="18" charset="0"/>
+            </a:endParaRPr>
+          </a:p>
+          <a:p>
             <a:pPr marL="342900" indent="-342900">
               <a:buFont typeface="Arial" panose="020B0604020202020204" pitchFamily="34" charset="0"/>
               <a:buChar char="•"/>
@@ -8161,12 +8153,6 @@
             </a:endParaRPr>
           </a:p>
           <a:p>
-            <a:endParaRPr lang="en-US" sz="2400" dirty="0">
-              <a:latin typeface="Times New Roman" panose="02020603050405020304" pitchFamily="18" charset="0"/>
-              <a:cs typeface="Times New Roman" panose="02020603050405020304" pitchFamily="18" charset="0"/>
-            </a:endParaRPr>
-          </a:p>
-          <a:p>
             <a:pPr marL="342900" indent="-342900">
               <a:buFont typeface="Arial" panose="020B0604020202020204" pitchFamily="34" charset="0"/>
               <a:buChar char="•"/>
@@ -8196,36 +8182,6 @@
               <a:cs typeface="Times New Roman" panose="02020603050405020304" pitchFamily="18" charset="0"/>
             </a:endParaRPr>
           </a:p>
-          <a:p>
-            <a:pPr marL="342900" indent="-342900">
-              <a:buFont typeface="Arial" panose="020B0604020202020204" pitchFamily="34" charset="0"/>
-              <a:buChar char="•"/>
-            </a:pPr>
-            <a:endParaRPr lang="en-US" sz="2400" dirty="0">
-              <a:latin typeface="Times New Roman" panose="02020603050405020304" pitchFamily="18" charset="0"/>
-              <a:cs typeface="Times New Roman" panose="02020603050405020304" pitchFamily="18" charset="0"/>
-            </a:endParaRPr>
-          </a:p>
-          <a:p>
-            <a:pPr marL="342900" indent="-342900">
-              <a:buFont typeface="Arial" panose="020B0604020202020204" pitchFamily="34" charset="0"/>
-              <a:buChar char="•"/>
-            </a:pPr>
-            <a:endParaRPr lang="en-US" sz="2400" dirty="0">
-              <a:latin typeface="Times New Roman" panose="02020603050405020304" pitchFamily="18" charset="0"/>
-              <a:cs typeface="Times New Roman" panose="02020603050405020304" pitchFamily="18" charset="0"/>
-            </a:endParaRPr>
-          </a:p>
-          <a:p>
-            <a:pPr marL="342900" indent="-342900">
-              <a:buFont typeface="Arial" panose="020B0604020202020204" pitchFamily="34" charset="0"/>
-              <a:buChar char="•"/>
-            </a:pPr>
-            <a:endParaRPr lang="en-US" sz="2400" dirty="0">
-              <a:latin typeface="Times New Roman" panose="02020603050405020304" pitchFamily="18" charset="0"/>
-              <a:cs typeface="Times New Roman" panose="02020603050405020304" pitchFamily="18" charset="0"/>
-            </a:endParaRPr>
-          </a:p>
         </p:txBody>
       </p:sp>
       <p:pic>
@@ -8256,8 +8212,8 @@
         </p:blipFill>
         <p:spPr>
           <a:xfrm>
-            <a:off x="1515533" y="810774"/>
-            <a:ext cx="6400800" cy="2538347"/>
+            <a:off x="1515533" y="316524"/>
+            <a:ext cx="6400800" cy="3085352"/>
           </a:xfrm>
           <a:prstGeom prst="rect">
             <a:avLst/>
